--- a/B2_ProposerModele/B2_07_ModelisationSchemaBlocs/39_SeineMusicale/images/Figures.pptx
+++ b/B2_ProposerModele/B2_07_ModelisationSchemaBlocs/39_SeineMusicale/images/Figures.pptx
@@ -270,7 +270,7 @@
           <a:p>
             <a:fld id="{AAB18374-F60F-4EA3-B474-0EC285679C83}" type="datetimeFigureOut">
               <a:rPr lang="fr-FR" smtClean="0"/>
-              <a:t>31/12/2020</a:t>
+              <a:t>08/07/2022</a:t>
             </a:fld>
             <a:endParaRPr lang="fr-FR"/>
           </a:p>
@@ -468,7 +468,7 @@
           <a:p>
             <a:fld id="{AAB18374-F60F-4EA3-B474-0EC285679C83}" type="datetimeFigureOut">
               <a:rPr lang="fr-FR" smtClean="0"/>
-              <a:t>31/12/2020</a:t>
+              <a:t>08/07/2022</a:t>
             </a:fld>
             <a:endParaRPr lang="fr-FR"/>
           </a:p>
@@ -676,7 +676,7 @@
           <a:p>
             <a:fld id="{AAB18374-F60F-4EA3-B474-0EC285679C83}" type="datetimeFigureOut">
               <a:rPr lang="fr-FR" smtClean="0"/>
-              <a:t>31/12/2020</a:t>
+              <a:t>08/07/2022</a:t>
             </a:fld>
             <a:endParaRPr lang="fr-FR"/>
           </a:p>
@@ -874,7 +874,7 @@
           <a:p>
             <a:fld id="{AAB18374-F60F-4EA3-B474-0EC285679C83}" type="datetimeFigureOut">
               <a:rPr lang="fr-FR" smtClean="0"/>
-              <a:t>31/12/2020</a:t>
+              <a:t>08/07/2022</a:t>
             </a:fld>
             <a:endParaRPr lang="fr-FR"/>
           </a:p>
@@ -1149,7 +1149,7 @@
           <a:p>
             <a:fld id="{AAB18374-F60F-4EA3-B474-0EC285679C83}" type="datetimeFigureOut">
               <a:rPr lang="fr-FR" smtClean="0"/>
-              <a:t>31/12/2020</a:t>
+              <a:t>08/07/2022</a:t>
             </a:fld>
             <a:endParaRPr lang="fr-FR"/>
           </a:p>
@@ -1414,7 +1414,7 @@
           <a:p>
             <a:fld id="{AAB18374-F60F-4EA3-B474-0EC285679C83}" type="datetimeFigureOut">
               <a:rPr lang="fr-FR" smtClean="0"/>
-              <a:t>31/12/2020</a:t>
+              <a:t>08/07/2022</a:t>
             </a:fld>
             <a:endParaRPr lang="fr-FR"/>
           </a:p>
@@ -1826,7 +1826,7 @@
           <a:p>
             <a:fld id="{AAB18374-F60F-4EA3-B474-0EC285679C83}" type="datetimeFigureOut">
               <a:rPr lang="fr-FR" smtClean="0"/>
-              <a:t>31/12/2020</a:t>
+              <a:t>08/07/2022</a:t>
             </a:fld>
             <a:endParaRPr lang="fr-FR"/>
           </a:p>
@@ -1967,7 +1967,7 @@
           <a:p>
             <a:fld id="{AAB18374-F60F-4EA3-B474-0EC285679C83}" type="datetimeFigureOut">
               <a:rPr lang="fr-FR" smtClean="0"/>
-              <a:t>31/12/2020</a:t>
+              <a:t>08/07/2022</a:t>
             </a:fld>
             <a:endParaRPr lang="fr-FR"/>
           </a:p>
@@ -2080,7 +2080,7 @@
           <a:p>
             <a:fld id="{AAB18374-F60F-4EA3-B474-0EC285679C83}" type="datetimeFigureOut">
               <a:rPr lang="fr-FR" smtClean="0"/>
-              <a:t>31/12/2020</a:t>
+              <a:t>08/07/2022</a:t>
             </a:fld>
             <a:endParaRPr lang="fr-FR"/>
           </a:p>
@@ -2391,7 +2391,7 @@
           <a:p>
             <a:fld id="{AAB18374-F60F-4EA3-B474-0EC285679C83}" type="datetimeFigureOut">
               <a:rPr lang="fr-FR" smtClean="0"/>
-              <a:t>31/12/2020</a:t>
+              <a:t>08/07/2022</a:t>
             </a:fld>
             <a:endParaRPr lang="fr-FR"/>
           </a:p>
@@ -2679,7 +2679,7 @@
           <a:p>
             <a:fld id="{AAB18374-F60F-4EA3-B474-0EC285679C83}" type="datetimeFigureOut">
               <a:rPr lang="fr-FR" smtClean="0"/>
-              <a:t>31/12/2020</a:t>
+              <a:t>08/07/2022</a:t>
             </a:fld>
             <a:endParaRPr lang="fr-FR"/>
           </a:p>
@@ -2920,7 +2920,7 @@
           <a:p>
             <a:fld id="{AAB18374-F60F-4EA3-B474-0EC285679C83}" type="datetimeFigureOut">
               <a:rPr lang="fr-FR" smtClean="0"/>
-              <a:t>31/12/2020</a:t>
+              <a:t>08/07/2022</a:t>
             </a:fld>
             <a:endParaRPr lang="fr-FR"/>
           </a:p>
@@ -3337,8 +3337,8 @@
           <a:chExt cx="0" cy="0"/>
         </a:xfrm>
       </p:grpSpPr>
-      <mc:AlternateContent xmlns:mc="http://schemas.openxmlformats.org/markup-compatibility/2006">
-        <mc:Choice xmlns:a14="http://schemas.microsoft.com/office/drawing/2010/main" Requires="a14">
+      <mc:AlternateContent xmlns:mc="http://schemas.openxmlformats.org/markup-compatibility/2006" xmlns:a14="http://schemas.microsoft.com/office/drawing/2010/main">
+        <mc:Choice Requires="a14">
           <p:sp>
             <p:nvSpPr>
               <p:cNvPr id="6" name="Rectangle 5">
@@ -3457,7 +3457,7 @@
             </p:txBody>
           </p:sp>
         </mc:Choice>
-        <mc:Fallback>
+        <mc:Fallback xmlns="">
           <p:sp>
             <p:nvSpPr>
               <p:cNvPr id="6" name="Rectangle 5">
@@ -3507,8 +3507,8 @@
           </p:sp>
         </mc:Fallback>
       </mc:AlternateContent>
-      <mc:AlternateContent xmlns:mc="http://schemas.openxmlformats.org/markup-compatibility/2006">
-        <mc:Choice xmlns:a14="http://schemas.microsoft.com/office/drawing/2010/main" Requires="a14">
+      <mc:AlternateContent xmlns:mc="http://schemas.openxmlformats.org/markup-compatibility/2006" xmlns:a14="http://schemas.microsoft.com/office/drawing/2010/main">
+        <mc:Choice Requires="a14">
           <p:sp>
             <p:nvSpPr>
               <p:cNvPr id="9" name="Rectangle 8">
@@ -3609,7 +3609,7 @@
             </p:txBody>
           </p:sp>
         </mc:Choice>
-        <mc:Fallback>
+        <mc:Fallback xmlns="">
           <p:sp>
             <p:nvSpPr>
               <p:cNvPr id="9" name="Rectangle 8">
@@ -3659,8 +3659,8 @@
           </p:sp>
         </mc:Fallback>
       </mc:AlternateContent>
-      <mc:AlternateContent xmlns:mc="http://schemas.openxmlformats.org/markup-compatibility/2006">
-        <mc:Choice xmlns:a14="http://schemas.microsoft.com/office/drawing/2010/main" Requires="a14">
+      <mc:AlternateContent xmlns:mc="http://schemas.openxmlformats.org/markup-compatibility/2006" xmlns:a14="http://schemas.microsoft.com/office/drawing/2010/main">
+        <mc:Choice Requires="a14">
           <p:sp>
             <p:nvSpPr>
               <p:cNvPr id="10" name="Rectangle 9">
@@ -3795,7 +3795,7 @@
             </p:txBody>
           </p:sp>
         </mc:Choice>
-        <mc:Fallback>
+        <mc:Fallback xmlns="">
           <p:sp>
             <p:nvSpPr>
               <p:cNvPr id="10" name="Rectangle 9">
@@ -3845,8 +3845,8 @@
           </p:sp>
         </mc:Fallback>
       </mc:AlternateContent>
-      <mc:AlternateContent xmlns:mc="http://schemas.openxmlformats.org/markup-compatibility/2006">
-        <mc:Choice xmlns:a14="http://schemas.microsoft.com/office/drawing/2010/main" Requires="a14">
+      <mc:AlternateContent xmlns:mc="http://schemas.openxmlformats.org/markup-compatibility/2006" xmlns:a14="http://schemas.microsoft.com/office/drawing/2010/main">
+        <mc:Choice Requires="a14">
           <p:sp>
             <p:nvSpPr>
               <p:cNvPr id="11" name="Rectangle 10">
@@ -3947,7 +3947,7 @@
             </p:txBody>
           </p:sp>
         </mc:Choice>
-        <mc:Fallback>
+        <mc:Fallback xmlns="">
           <p:sp>
             <p:nvSpPr>
               <p:cNvPr id="11" name="Rectangle 10">
@@ -3997,8 +3997,8 @@
           </p:sp>
         </mc:Fallback>
       </mc:AlternateContent>
-      <mc:AlternateContent xmlns:mc="http://schemas.openxmlformats.org/markup-compatibility/2006">
-        <mc:Choice xmlns:a14="http://schemas.microsoft.com/office/drawing/2010/main" Requires="a14">
+      <mc:AlternateContent xmlns:mc="http://schemas.openxmlformats.org/markup-compatibility/2006" xmlns:a14="http://schemas.microsoft.com/office/drawing/2010/main">
+        <mc:Choice Requires="a14">
           <p:sp>
             <p:nvSpPr>
               <p:cNvPr id="12" name="Rectangle 11">
@@ -4099,7 +4099,7 @@
             </p:txBody>
           </p:sp>
         </mc:Choice>
-        <mc:Fallback>
+        <mc:Fallback xmlns="">
           <p:sp>
             <p:nvSpPr>
               <p:cNvPr id="12" name="Rectangle 11">
@@ -4149,8 +4149,8 @@
           </p:sp>
         </mc:Fallback>
       </mc:AlternateContent>
-      <mc:AlternateContent xmlns:mc="http://schemas.openxmlformats.org/markup-compatibility/2006">
-        <mc:Choice xmlns:a14="http://schemas.microsoft.com/office/drawing/2010/main" Requires="a14">
+      <mc:AlternateContent xmlns:mc="http://schemas.openxmlformats.org/markup-compatibility/2006" xmlns:a14="http://schemas.microsoft.com/office/drawing/2010/main">
+        <mc:Choice Requires="a14">
           <p:sp>
             <p:nvSpPr>
               <p:cNvPr id="13" name="Rectangle 12">
@@ -4226,7 +4226,7 @@
             </p:txBody>
           </p:sp>
         </mc:Choice>
-        <mc:Fallback>
+        <mc:Fallback xmlns="">
           <p:sp>
             <p:nvSpPr>
               <p:cNvPr id="13" name="Rectangle 12">
@@ -4276,8 +4276,8 @@
           </p:sp>
         </mc:Fallback>
       </mc:AlternateContent>
-      <mc:AlternateContent xmlns:mc="http://schemas.openxmlformats.org/markup-compatibility/2006">
-        <mc:Choice xmlns:a14="http://schemas.microsoft.com/office/drawing/2010/main" Requires="a14">
+      <mc:AlternateContent xmlns:mc="http://schemas.openxmlformats.org/markup-compatibility/2006" xmlns:a14="http://schemas.microsoft.com/office/drawing/2010/main">
+        <mc:Choice Requires="a14">
           <p:sp>
             <p:nvSpPr>
               <p:cNvPr id="14" name="Rectangle 13">
@@ -4378,7 +4378,7 @@
             </p:txBody>
           </p:sp>
         </mc:Choice>
-        <mc:Fallback>
+        <mc:Fallback xmlns="">
           <p:sp>
             <p:nvSpPr>
               <p:cNvPr id="14" name="Rectangle 13">
@@ -4428,8 +4428,8 @@
           </p:sp>
         </mc:Fallback>
       </mc:AlternateContent>
-      <mc:AlternateContent xmlns:mc="http://schemas.openxmlformats.org/markup-compatibility/2006">
-        <mc:Choice xmlns:a14="http://schemas.microsoft.com/office/drawing/2010/main" Requires="a14">
+      <mc:AlternateContent xmlns:mc="http://schemas.openxmlformats.org/markup-compatibility/2006" xmlns:a14="http://schemas.microsoft.com/office/drawing/2010/main">
+        <mc:Choice Requires="a14">
           <p:sp>
             <p:nvSpPr>
               <p:cNvPr id="15" name="Rectangle 14">
@@ -4530,7 +4530,7 @@
             </p:txBody>
           </p:sp>
         </mc:Choice>
-        <mc:Fallback>
+        <mc:Fallback xmlns="">
           <p:sp>
             <p:nvSpPr>
               <p:cNvPr id="15" name="Rectangle 14">
@@ -4751,8 +4751,8 @@
           </a:p>
         </p:txBody>
       </p:sp>
-      <mc:AlternateContent xmlns:mc="http://schemas.openxmlformats.org/markup-compatibility/2006">
-        <mc:Choice xmlns:a14="http://schemas.microsoft.com/office/drawing/2010/main" Requires="a14">
+      <mc:AlternateContent xmlns:mc="http://schemas.openxmlformats.org/markup-compatibility/2006" xmlns:a14="http://schemas.microsoft.com/office/drawing/2010/main">
+        <mc:Choice Requires="a14">
           <p:sp>
             <p:nvSpPr>
               <p:cNvPr id="20" name="Rectangle 19">
@@ -4853,7 +4853,7 @@
             </p:txBody>
           </p:sp>
         </mc:Choice>
-        <mc:Fallback>
+        <mc:Fallback xmlns="">
           <p:sp>
             <p:nvSpPr>
               <p:cNvPr id="20" name="Rectangle 19">
@@ -4903,8 +4903,8 @@
           </p:sp>
         </mc:Fallback>
       </mc:AlternateContent>
-      <mc:AlternateContent xmlns:mc="http://schemas.openxmlformats.org/markup-compatibility/2006">
-        <mc:Choice xmlns:a14="http://schemas.microsoft.com/office/drawing/2010/main" Requires="a14">
+      <mc:AlternateContent xmlns:mc="http://schemas.openxmlformats.org/markup-compatibility/2006" xmlns:a14="http://schemas.microsoft.com/office/drawing/2010/main">
+        <mc:Choice Requires="a14">
           <p:sp>
             <p:nvSpPr>
               <p:cNvPr id="21" name="Rectangle 20">
@@ -5039,7 +5039,7 @@
             </p:txBody>
           </p:sp>
         </mc:Choice>
-        <mc:Fallback>
+        <mc:Fallback xmlns="">
           <p:sp>
             <p:nvSpPr>
               <p:cNvPr id="21" name="Rectangle 20">
@@ -5089,8 +5089,8 @@
           </p:sp>
         </mc:Fallback>
       </mc:AlternateContent>
-      <mc:AlternateContent xmlns:mc="http://schemas.openxmlformats.org/markup-compatibility/2006">
-        <mc:Choice xmlns:a14="http://schemas.microsoft.com/office/drawing/2010/main" Requires="a14">
+      <mc:AlternateContent xmlns:mc="http://schemas.openxmlformats.org/markup-compatibility/2006" xmlns:a14="http://schemas.microsoft.com/office/drawing/2010/main">
+        <mc:Choice Requires="a14">
           <p:sp>
             <p:nvSpPr>
               <p:cNvPr id="24" name="Rectangle 23">
@@ -5191,7 +5191,7 @@
             </p:txBody>
           </p:sp>
         </mc:Choice>
-        <mc:Fallback>
+        <mc:Fallback xmlns="">
           <p:sp>
             <p:nvSpPr>
               <p:cNvPr id="24" name="Rectangle 23">
@@ -5241,8 +5241,8 @@
           </p:sp>
         </mc:Fallback>
       </mc:AlternateContent>
-      <mc:AlternateContent xmlns:mc="http://schemas.openxmlformats.org/markup-compatibility/2006">
-        <mc:Choice xmlns:a14="http://schemas.microsoft.com/office/drawing/2010/main" Requires="a14">
+      <mc:AlternateContent xmlns:mc="http://schemas.openxmlformats.org/markup-compatibility/2006" xmlns:a14="http://schemas.microsoft.com/office/drawing/2010/main">
+        <mc:Choice Requires="a14">
           <p:sp>
             <p:nvSpPr>
               <p:cNvPr id="25" name="Rectangle 24">
@@ -5343,7 +5343,7 @@
             </p:txBody>
           </p:sp>
         </mc:Choice>
-        <mc:Fallback>
+        <mc:Fallback xmlns="">
           <p:sp>
             <p:nvSpPr>
               <p:cNvPr id="25" name="Rectangle 24">
@@ -5393,8 +5393,8 @@
           </p:sp>
         </mc:Fallback>
       </mc:AlternateContent>
-      <mc:AlternateContent xmlns:mc="http://schemas.openxmlformats.org/markup-compatibility/2006">
-        <mc:Choice xmlns:a14="http://schemas.microsoft.com/office/drawing/2010/main" Requires="a14">
+      <mc:AlternateContent xmlns:mc="http://schemas.openxmlformats.org/markup-compatibility/2006" xmlns:a14="http://schemas.microsoft.com/office/drawing/2010/main">
+        <mc:Choice Requires="a14">
           <p:sp>
             <p:nvSpPr>
               <p:cNvPr id="26" name="Rectangle 25">
@@ -5495,7 +5495,7 @@
             </p:txBody>
           </p:sp>
         </mc:Choice>
-        <mc:Fallback>
+        <mc:Fallback xmlns="">
           <p:sp>
             <p:nvSpPr>
               <p:cNvPr id="26" name="Rectangle 25">
@@ -6782,8 +6782,8 @@
           </a:fontRef>
         </p:style>
       </p:cxnSp>
-      <mc:AlternateContent xmlns:mc="http://schemas.openxmlformats.org/markup-compatibility/2006">
-        <mc:Choice xmlns:a14="http://schemas.microsoft.com/office/drawing/2010/main" Requires="a14">
+      <mc:AlternateContent xmlns:mc="http://schemas.openxmlformats.org/markup-compatibility/2006" xmlns:a14="http://schemas.microsoft.com/office/drawing/2010/main">
+        <mc:Choice Requires="a14">
           <p:sp>
             <p:nvSpPr>
               <p:cNvPr id="117" name="ZoneTexte 116">
@@ -6812,6 +6812,7 @@
               </a:bodyPr>
               <a:lstStyle/>
               <a:p>
+                <a:pPr/>
                 <a14:m>
                   <m:oMathPara xmlns:m="http://schemas.openxmlformats.org/officeDocument/2006/math">
                     <m:oMathParaPr>
@@ -6872,7 +6873,7 @@
             </p:txBody>
           </p:sp>
         </mc:Choice>
-        <mc:Fallback>
+        <mc:Fallback xmlns="">
           <p:sp>
             <p:nvSpPr>
               <p:cNvPr id="117" name="ZoneTexte 116">
@@ -6917,8 +6918,8 @@
           </p:sp>
         </mc:Fallback>
       </mc:AlternateContent>
-      <mc:AlternateContent xmlns:mc="http://schemas.openxmlformats.org/markup-compatibility/2006">
-        <mc:Choice xmlns:a14="http://schemas.microsoft.com/office/drawing/2010/main" Requires="a14">
+      <mc:AlternateContent xmlns:mc="http://schemas.openxmlformats.org/markup-compatibility/2006" xmlns:a14="http://schemas.microsoft.com/office/drawing/2010/main">
+        <mc:Choice Requires="a14">
           <p:sp>
             <p:nvSpPr>
               <p:cNvPr id="118" name="ZoneTexte 117">
@@ -6947,6 +6948,7 @@
               </a:bodyPr>
               <a:lstStyle/>
               <a:p>
+                <a:pPr/>
                 <a14:m>
                   <m:oMathPara xmlns:m="http://schemas.openxmlformats.org/officeDocument/2006/math">
                     <m:oMathParaPr>
@@ -6985,7 +6987,7 @@
             </p:txBody>
           </p:sp>
         </mc:Choice>
-        <mc:Fallback>
+        <mc:Fallback xmlns="">
           <p:sp>
             <p:nvSpPr>
               <p:cNvPr id="118" name="ZoneTexte 117">
@@ -7030,8 +7032,8 @@
           </p:sp>
         </mc:Fallback>
       </mc:AlternateContent>
-      <mc:AlternateContent xmlns:mc="http://schemas.openxmlformats.org/markup-compatibility/2006">
-        <mc:Choice xmlns:a14="http://schemas.microsoft.com/office/drawing/2010/main" Requires="a14">
+      <mc:AlternateContent xmlns:mc="http://schemas.openxmlformats.org/markup-compatibility/2006" xmlns:a14="http://schemas.microsoft.com/office/drawing/2010/main">
+        <mc:Choice Requires="a14">
           <p:sp>
             <p:nvSpPr>
               <p:cNvPr id="119" name="ZoneTexte 118">
@@ -7060,6 +7062,7 @@
               </a:bodyPr>
               <a:lstStyle/>
               <a:p>
+                <a:pPr/>
                 <a14:m>
                   <m:oMathPara xmlns:m="http://schemas.openxmlformats.org/officeDocument/2006/math">
                     <m:oMathParaPr>
@@ -7098,7 +7101,7 @@
             </p:txBody>
           </p:sp>
         </mc:Choice>
-        <mc:Fallback>
+        <mc:Fallback xmlns="">
           <p:sp>
             <p:nvSpPr>
               <p:cNvPr id="119" name="ZoneTexte 118">
@@ -7143,8 +7146,8 @@
           </p:sp>
         </mc:Fallback>
       </mc:AlternateContent>
-      <mc:AlternateContent xmlns:mc="http://schemas.openxmlformats.org/markup-compatibility/2006">
-        <mc:Choice xmlns:a14="http://schemas.microsoft.com/office/drawing/2010/main" Requires="a14">
+      <mc:AlternateContent xmlns:mc="http://schemas.openxmlformats.org/markup-compatibility/2006" xmlns:a14="http://schemas.microsoft.com/office/drawing/2010/main">
+        <mc:Choice Requires="a14">
           <p:sp>
             <p:nvSpPr>
               <p:cNvPr id="120" name="ZoneTexte 119">
@@ -7173,6 +7176,7 @@
               </a:bodyPr>
               <a:lstStyle/>
               <a:p>
+                <a:pPr/>
                 <a14:m>
                   <m:oMathPara xmlns:m="http://schemas.openxmlformats.org/officeDocument/2006/math">
                     <m:oMathParaPr>
@@ -7230,7 +7234,7 @@
             </p:txBody>
           </p:sp>
         </mc:Choice>
-        <mc:Fallback>
+        <mc:Fallback xmlns="">
           <p:sp>
             <p:nvSpPr>
               <p:cNvPr id="120" name="ZoneTexte 119">
@@ -7275,8 +7279,8 @@
           </p:sp>
         </mc:Fallback>
       </mc:AlternateContent>
-      <mc:AlternateContent xmlns:mc="http://schemas.openxmlformats.org/markup-compatibility/2006">
-        <mc:Choice xmlns:a14="http://schemas.microsoft.com/office/drawing/2010/main" Requires="a14">
+      <mc:AlternateContent xmlns:mc="http://schemas.openxmlformats.org/markup-compatibility/2006" xmlns:a14="http://schemas.microsoft.com/office/drawing/2010/main">
+        <mc:Choice Requires="a14">
           <p:sp>
             <p:nvSpPr>
               <p:cNvPr id="121" name="ZoneTexte 120">
@@ -7305,6 +7309,7 @@
               </a:bodyPr>
               <a:lstStyle/>
               <a:p>
+                <a:pPr/>
                 <a14:m>
                   <m:oMathPara xmlns:m="http://schemas.openxmlformats.org/officeDocument/2006/math">
                     <m:oMathParaPr>
@@ -7362,7 +7367,7 @@
             </p:txBody>
           </p:sp>
         </mc:Choice>
-        <mc:Fallback>
+        <mc:Fallback xmlns="">
           <p:sp>
             <p:nvSpPr>
               <p:cNvPr id="121" name="ZoneTexte 120">
@@ -7423,7 +7428,7 @@
             </p:nvSpPr>
             <p:spPr>
               <a:xfrm>
-                <a:off x="4544646" y="5019414"/>
+                <a:off x="4617003" y="5518525"/>
                 <a:ext cx="575221" cy="253916"/>
               </a:xfrm>
               <a:prstGeom prst="rect">
@@ -7437,6 +7442,7 @@
               </a:bodyPr>
               <a:lstStyle/>
               <a:p>
+                <a:pPr/>
                 <a14:m>
                   <m:oMathPara xmlns:m="http://schemas.openxmlformats.org/officeDocument/2006/math">
                     <m:oMathParaPr>
@@ -7511,7 +7517,7 @@
             </p:nvSpPr>
             <p:spPr>
               <a:xfrm>
-                <a:off x="4544646" y="5019414"/>
+                <a:off x="4617003" y="5518525"/>
                 <a:ext cx="575221" cy="253916"/>
               </a:xfrm>
               <a:prstGeom prst="rect">
@@ -7539,8 +7545,8 @@
           </p:sp>
         </mc:Fallback>
       </mc:AlternateContent>
-      <mc:AlternateContent xmlns:mc="http://schemas.openxmlformats.org/markup-compatibility/2006">
-        <mc:Choice xmlns:a14="http://schemas.microsoft.com/office/drawing/2010/main" Requires="a14">
+      <mc:AlternateContent xmlns:mc="http://schemas.openxmlformats.org/markup-compatibility/2006" xmlns:a14="http://schemas.microsoft.com/office/drawing/2010/main">
+        <mc:Choice Requires="a14">
           <p:sp>
             <p:nvSpPr>
               <p:cNvPr id="123" name="ZoneTexte 122">
@@ -7569,6 +7575,7 @@
               </a:bodyPr>
               <a:lstStyle/>
               <a:p>
+                <a:pPr/>
                 <a14:m>
                   <m:oMathPara xmlns:m="http://schemas.openxmlformats.org/officeDocument/2006/math">
                     <m:oMathParaPr>
@@ -7629,7 +7636,7 @@
             </p:txBody>
           </p:sp>
         </mc:Choice>
-        <mc:Fallback>
+        <mc:Fallback xmlns="">
           <p:sp>
             <p:nvSpPr>
               <p:cNvPr id="123" name="ZoneTexte 122">
@@ -7674,8 +7681,8 @@
           </p:sp>
         </mc:Fallback>
       </mc:AlternateContent>
-      <mc:AlternateContent xmlns:mc="http://schemas.openxmlformats.org/markup-compatibility/2006">
-        <mc:Choice xmlns:a14="http://schemas.microsoft.com/office/drawing/2010/main" Requires="a14">
+      <mc:AlternateContent xmlns:mc="http://schemas.openxmlformats.org/markup-compatibility/2006" xmlns:a14="http://schemas.microsoft.com/office/drawing/2010/main">
+        <mc:Choice Requires="a14">
           <p:sp>
             <p:nvSpPr>
               <p:cNvPr id="124" name="ZoneTexte 123">
@@ -7704,6 +7711,7 @@
               </a:bodyPr>
               <a:lstStyle/>
               <a:p>
+                <a:pPr/>
                 <a14:m>
                   <m:oMathPara xmlns:m="http://schemas.openxmlformats.org/officeDocument/2006/math">
                     <m:oMathParaPr>
@@ -7764,7 +7772,7 @@
             </p:txBody>
           </p:sp>
         </mc:Choice>
-        <mc:Fallback>
+        <mc:Fallback xmlns="">
           <p:sp>
             <p:nvSpPr>
               <p:cNvPr id="124" name="ZoneTexte 123">
@@ -7809,8 +7817,8 @@
           </p:sp>
         </mc:Fallback>
       </mc:AlternateContent>
-      <mc:AlternateContent xmlns:mc="http://schemas.openxmlformats.org/markup-compatibility/2006">
-        <mc:Choice xmlns:a14="http://schemas.microsoft.com/office/drawing/2010/main" Requires="a14">
+      <mc:AlternateContent xmlns:mc="http://schemas.openxmlformats.org/markup-compatibility/2006" xmlns:a14="http://schemas.microsoft.com/office/drawing/2010/main">
+        <mc:Choice Requires="a14">
           <p:sp>
             <p:nvSpPr>
               <p:cNvPr id="125" name="ZoneTexte 124">
@@ -7839,6 +7847,7 @@
               </a:bodyPr>
               <a:lstStyle/>
               <a:p>
+                <a:pPr/>
                 <a14:m>
                   <m:oMathPara xmlns:m="http://schemas.openxmlformats.org/officeDocument/2006/math">
                     <m:oMathParaPr>
@@ -7896,7 +7905,7 @@
             </p:txBody>
           </p:sp>
         </mc:Choice>
-        <mc:Fallback>
+        <mc:Fallback xmlns="">
           <p:sp>
             <p:nvSpPr>
               <p:cNvPr id="125" name="ZoneTexte 124">
@@ -7941,8 +7950,8 @@
           </p:sp>
         </mc:Fallback>
       </mc:AlternateContent>
-      <mc:AlternateContent xmlns:mc="http://schemas.openxmlformats.org/markup-compatibility/2006">
-        <mc:Choice xmlns:a14="http://schemas.microsoft.com/office/drawing/2010/main" Requires="a14">
+      <mc:AlternateContent xmlns:mc="http://schemas.openxmlformats.org/markup-compatibility/2006" xmlns:a14="http://schemas.microsoft.com/office/drawing/2010/main">
+        <mc:Choice Requires="a14">
           <p:sp>
             <p:nvSpPr>
               <p:cNvPr id="126" name="ZoneTexte 125">
@@ -7971,6 +7980,7 @@
               </a:bodyPr>
               <a:lstStyle/>
               <a:p>
+                <a:pPr/>
                 <a14:m>
                   <m:oMathPara xmlns:m="http://schemas.openxmlformats.org/officeDocument/2006/math">
                     <m:oMathParaPr>
@@ -8028,7 +8038,7 @@
             </p:txBody>
           </p:sp>
         </mc:Choice>
-        <mc:Fallback>
+        <mc:Fallback xmlns="">
           <p:sp>
             <p:nvSpPr>
               <p:cNvPr id="126" name="ZoneTexte 125">
@@ -8073,8 +8083,8 @@
           </p:sp>
         </mc:Fallback>
       </mc:AlternateContent>
-      <mc:AlternateContent xmlns:mc="http://schemas.openxmlformats.org/markup-compatibility/2006">
-        <mc:Choice xmlns:a14="http://schemas.microsoft.com/office/drawing/2010/main" Requires="a14">
+      <mc:AlternateContent xmlns:mc="http://schemas.openxmlformats.org/markup-compatibility/2006" xmlns:a14="http://schemas.microsoft.com/office/drawing/2010/main">
+        <mc:Choice Requires="a14">
           <p:sp>
             <p:nvSpPr>
               <p:cNvPr id="127" name="ZoneTexte 126">
@@ -8103,6 +8113,7 @@
               </a:bodyPr>
               <a:lstStyle/>
               <a:p>
+                <a:pPr/>
                 <a14:m>
                   <m:oMathPara xmlns:m="http://schemas.openxmlformats.org/officeDocument/2006/math">
                     <m:oMathParaPr>
@@ -8163,7 +8174,7 @@
             </p:txBody>
           </p:sp>
         </mc:Choice>
-        <mc:Fallback>
+        <mc:Fallback xmlns="">
           <p:sp>
             <p:nvSpPr>
               <p:cNvPr id="127" name="ZoneTexte 126">
@@ -8208,8 +8219,8 @@
           </p:sp>
         </mc:Fallback>
       </mc:AlternateContent>
-      <mc:AlternateContent xmlns:mc="http://schemas.openxmlformats.org/markup-compatibility/2006">
-        <mc:Choice xmlns:a14="http://schemas.microsoft.com/office/drawing/2010/main" Requires="a14">
+      <mc:AlternateContent xmlns:mc="http://schemas.openxmlformats.org/markup-compatibility/2006" xmlns:a14="http://schemas.microsoft.com/office/drawing/2010/main">
+        <mc:Choice Requires="a14">
           <p:sp>
             <p:nvSpPr>
               <p:cNvPr id="128" name="ZoneTexte 127">
@@ -8238,6 +8249,7 @@
               </a:bodyPr>
               <a:lstStyle/>
               <a:p>
+                <a:pPr/>
                 <a14:m>
                   <m:oMathPara xmlns:m="http://schemas.openxmlformats.org/officeDocument/2006/math">
                     <m:oMathParaPr>
@@ -8298,7 +8310,7 @@
             </p:txBody>
           </p:sp>
         </mc:Choice>
-        <mc:Fallback>
+        <mc:Fallback xmlns="">
           <p:sp>
             <p:nvSpPr>
               <p:cNvPr id="128" name="ZoneTexte 127">
@@ -8343,8 +8355,8 @@
           </p:sp>
         </mc:Fallback>
       </mc:AlternateContent>
-      <mc:AlternateContent xmlns:mc="http://schemas.openxmlformats.org/markup-compatibility/2006">
-        <mc:Choice xmlns:a14="http://schemas.microsoft.com/office/drawing/2010/main" Requires="a14">
+      <mc:AlternateContent xmlns:mc="http://schemas.openxmlformats.org/markup-compatibility/2006" xmlns:a14="http://schemas.microsoft.com/office/drawing/2010/main">
+        <mc:Choice Requires="a14">
           <p:sp>
             <p:nvSpPr>
               <p:cNvPr id="129" name="ZoneTexte 128">
@@ -8373,6 +8385,7 @@
               </a:bodyPr>
               <a:lstStyle/>
               <a:p>
+                <a:pPr/>
                 <a14:m>
                   <m:oMathPara xmlns:m="http://schemas.openxmlformats.org/officeDocument/2006/math">
                     <m:oMathParaPr>
@@ -8433,7 +8446,7 @@
             </p:txBody>
           </p:sp>
         </mc:Choice>
-        <mc:Fallback>
+        <mc:Fallback xmlns="">
           <p:sp>
             <p:nvSpPr>
               <p:cNvPr id="129" name="ZoneTexte 128">
@@ -8478,8 +8491,8 @@
           </p:sp>
         </mc:Fallback>
       </mc:AlternateContent>
-      <mc:AlternateContent xmlns:mc="http://schemas.openxmlformats.org/markup-compatibility/2006">
-        <mc:Choice xmlns:a14="http://schemas.microsoft.com/office/drawing/2010/main" Requires="a14">
+      <mc:AlternateContent xmlns:mc="http://schemas.openxmlformats.org/markup-compatibility/2006" xmlns:a14="http://schemas.microsoft.com/office/drawing/2010/main">
+        <mc:Choice Requires="a14">
           <p:sp>
             <p:nvSpPr>
               <p:cNvPr id="130" name="ZoneTexte 129">
@@ -8508,6 +8521,7 @@
               </a:bodyPr>
               <a:lstStyle/>
               <a:p>
+                <a:pPr/>
                 <a14:m>
                   <m:oMathPara xmlns:m="http://schemas.openxmlformats.org/officeDocument/2006/math">
                     <m:oMathParaPr>
@@ -8528,7 +8542,7 @@
             </p:txBody>
           </p:sp>
         </mc:Choice>
-        <mc:Fallback>
+        <mc:Fallback xmlns="">
           <p:sp>
             <p:nvSpPr>
               <p:cNvPr id="130" name="ZoneTexte 129">
@@ -8573,8 +8587,8 @@
           </p:sp>
         </mc:Fallback>
       </mc:AlternateContent>
-      <mc:AlternateContent xmlns:mc="http://schemas.openxmlformats.org/markup-compatibility/2006">
-        <mc:Choice xmlns:a14="http://schemas.microsoft.com/office/drawing/2010/main" Requires="a14">
+      <mc:AlternateContent xmlns:mc="http://schemas.openxmlformats.org/markup-compatibility/2006" xmlns:a14="http://schemas.microsoft.com/office/drawing/2010/main">
+        <mc:Choice Requires="a14">
           <p:sp>
             <p:nvSpPr>
               <p:cNvPr id="131" name="ZoneTexte 130">
@@ -8603,6 +8617,7 @@
               </a:bodyPr>
               <a:lstStyle/>
               <a:p>
+                <a:pPr/>
                 <a14:m>
                   <m:oMathPara xmlns:m="http://schemas.openxmlformats.org/officeDocument/2006/math">
                     <m:oMathParaPr>
@@ -8623,7 +8638,7 @@
             </p:txBody>
           </p:sp>
         </mc:Choice>
-        <mc:Fallback>
+        <mc:Fallback xmlns="">
           <p:sp>
             <p:nvSpPr>
               <p:cNvPr id="131" name="ZoneTexte 130">
@@ -8668,8 +8683,8 @@
           </p:sp>
         </mc:Fallback>
       </mc:AlternateContent>
-      <mc:AlternateContent xmlns:mc="http://schemas.openxmlformats.org/markup-compatibility/2006">
-        <mc:Choice xmlns:a14="http://schemas.microsoft.com/office/drawing/2010/main" Requires="a14">
+      <mc:AlternateContent xmlns:mc="http://schemas.openxmlformats.org/markup-compatibility/2006" xmlns:a14="http://schemas.microsoft.com/office/drawing/2010/main">
+        <mc:Choice Requires="a14">
           <p:sp>
             <p:nvSpPr>
               <p:cNvPr id="132" name="ZoneTexte 131">
@@ -8698,6 +8713,7 @@
               </a:bodyPr>
               <a:lstStyle/>
               <a:p>
+                <a:pPr/>
                 <a14:m>
                   <m:oMathPara xmlns:m="http://schemas.openxmlformats.org/officeDocument/2006/math">
                     <m:oMathParaPr>
@@ -8718,7 +8734,7 @@
             </p:txBody>
           </p:sp>
         </mc:Choice>
-        <mc:Fallback>
+        <mc:Fallback xmlns="">
           <p:sp>
             <p:nvSpPr>
               <p:cNvPr id="132" name="ZoneTexte 131">
@@ -8793,6 +8809,7 @@
               </a:bodyPr>
               <a:lstStyle/>
               <a:p>
+                <a:pPr/>
                 <a14:m>
                   <m:oMathPara xmlns:m="http://schemas.openxmlformats.org/officeDocument/2006/math">
                     <m:oMathParaPr>
@@ -8837,7 +8854,7 @@
                 <a:avLst/>
               </a:prstGeom>
               <a:blipFill>
-                <a:blip r:embed="rId28"/>
+                <a:blip r:embed="rId30"/>
                 <a:stretch>
                   <a:fillRect/>
                 </a:stretch>
@@ -8858,8 +8875,8 @@
           </p:sp>
         </mc:Fallback>
       </mc:AlternateContent>
-      <mc:AlternateContent xmlns:mc="http://schemas.openxmlformats.org/markup-compatibility/2006">
-        <mc:Choice xmlns:a14="http://schemas.microsoft.com/office/drawing/2010/main" Requires="a14">
+      <mc:AlternateContent xmlns:mc="http://schemas.openxmlformats.org/markup-compatibility/2006" xmlns:a14="http://schemas.microsoft.com/office/drawing/2010/main">
+        <mc:Choice Requires="a14">
           <p:sp>
             <p:nvSpPr>
               <p:cNvPr id="134" name="ZoneTexte 133">
@@ -8888,6 +8905,7 @@
               </a:bodyPr>
               <a:lstStyle/>
               <a:p>
+                <a:pPr/>
                 <a14:m>
                   <m:oMathPara xmlns:m="http://schemas.openxmlformats.org/officeDocument/2006/math">
                     <m:oMathParaPr>
@@ -8908,7 +8926,7 @@
             </p:txBody>
           </p:sp>
         </mc:Choice>
-        <mc:Fallback>
+        <mc:Fallback xmlns="">
           <p:sp>
             <p:nvSpPr>
               <p:cNvPr id="134" name="ZoneTexte 133">
@@ -8953,8 +8971,8 @@
           </p:sp>
         </mc:Fallback>
       </mc:AlternateContent>
-      <mc:AlternateContent xmlns:mc="http://schemas.openxmlformats.org/markup-compatibility/2006">
-        <mc:Choice xmlns:a14="http://schemas.microsoft.com/office/drawing/2010/main" Requires="a14">
+      <mc:AlternateContent xmlns:mc="http://schemas.openxmlformats.org/markup-compatibility/2006" xmlns:a14="http://schemas.microsoft.com/office/drawing/2010/main">
+        <mc:Choice Requires="a14">
           <p:sp>
             <p:nvSpPr>
               <p:cNvPr id="135" name="ZoneTexte 134">
@@ -8983,6 +9001,7 @@
               </a:bodyPr>
               <a:lstStyle/>
               <a:p>
+                <a:pPr/>
                 <a14:m>
                   <m:oMathPara xmlns:m="http://schemas.openxmlformats.org/officeDocument/2006/math">
                     <m:oMathParaPr>
@@ -9003,7 +9022,7 @@
             </p:txBody>
           </p:sp>
         </mc:Choice>
-        <mc:Fallback>
+        <mc:Fallback xmlns="">
           <p:sp>
             <p:nvSpPr>
               <p:cNvPr id="135" name="ZoneTexte 134">
@@ -9027,7 +9046,7 @@
                 <a:avLst/>
               </a:prstGeom>
               <a:blipFill>
-                <a:blip r:embed="rId30"/>
+                <a:blip r:embed="rId31"/>
                 <a:stretch>
                   <a:fillRect/>
                 </a:stretch>
@@ -9048,8 +9067,8 @@
           </p:sp>
         </mc:Fallback>
       </mc:AlternateContent>
-      <mc:AlternateContent xmlns:mc="http://schemas.openxmlformats.org/markup-compatibility/2006">
-        <mc:Choice xmlns:a14="http://schemas.microsoft.com/office/drawing/2010/main" Requires="a14">
+      <mc:AlternateContent xmlns:mc="http://schemas.openxmlformats.org/markup-compatibility/2006" xmlns:a14="http://schemas.microsoft.com/office/drawing/2010/main">
+        <mc:Choice Requires="a14">
           <p:sp>
             <p:nvSpPr>
               <p:cNvPr id="137" name="ZoneTexte 136">
@@ -9078,6 +9097,7 @@
               </a:bodyPr>
               <a:lstStyle/>
               <a:p>
+                <a:pPr/>
                 <a14:m>
                   <m:oMathPara xmlns:m="http://schemas.openxmlformats.org/officeDocument/2006/math">
                     <m:oMathParaPr>
@@ -9098,7 +9118,7 @@
             </p:txBody>
           </p:sp>
         </mc:Choice>
-        <mc:Fallback>
+        <mc:Fallback xmlns="">
           <p:sp>
             <p:nvSpPr>
               <p:cNvPr id="137" name="ZoneTexte 136">
@@ -9122,7 +9142,7 @@
                 <a:avLst/>
               </a:prstGeom>
               <a:blipFill>
-                <a:blip r:embed="rId31"/>
+                <a:blip r:embed="rId32"/>
                 <a:stretch>
                   <a:fillRect/>
                 </a:stretch>
@@ -9143,8 +9163,8 @@
           </p:sp>
         </mc:Fallback>
       </mc:AlternateContent>
-      <mc:AlternateContent xmlns:mc="http://schemas.openxmlformats.org/markup-compatibility/2006">
-        <mc:Choice xmlns:a14="http://schemas.microsoft.com/office/drawing/2010/main" Requires="a14">
+      <mc:AlternateContent xmlns:mc="http://schemas.openxmlformats.org/markup-compatibility/2006" xmlns:a14="http://schemas.microsoft.com/office/drawing/2010/main">
+        <mc:Choice Requires="a14">
           <p:sp>
             <p:nvSpPr>
               <p:cNvPr id="138" name="ZoneTexte 137">
@@ -9173,6 +9193,7 @@
               </a:bodyPr>
               <a:lstStyle/>
               <a:p>
+                <a:pPr/>
                 <a14:m>
                   <m:oMathPara xmlns:m="http://schemas.openxmlformats.org/officeDocument/2006/math">
                     <m:oMathParaPr>
@@ -9193,7 +9214,7 @@
             </p:txBody>
           </p:sp>
         </mc:Choice>
-        <mc:Fallback>
+        <mc:Fallback xmlns="">
           <p:sp>
             <p:nvSpPr>
               <p:cNvPr id="138" name="ZoneTexte 137">
@@ -9217,7 +9238,7 @@
                 <a:avLst/>
               </a:prstGeom>
               <a:blipFill>
-                <a:blip r:embed="rId32"/>
+                <a:blip r:embed="rId33"/>
                 <a:stretch>
                   <a:fillRect/>
                 </a:stretch>
